--- a/Diagramas de Flujo.pptx
+++ b/Diagramas de Flujo.pptx
@@ -274,7 +274,7 @@
           <a:p>
             <a:fld id="{7D81B21F-EF49-49E9-8784-66AFD3ADBF37}" type="datetimeFigureOut">
               <a:rPr lang="es-ES" smtClean="0"/>
-              <a:t>23/04/2024</a:t>
+              <a:t>25/04/2024</a:t>
             </a:fld>
             <a:endParaRPr lang="es-ES"/>
           </a:p>
@@ -472,7 +472,7 @@
           <a:p>
             <a:fld id="{7D81B21F-EF49-49E9-8784-66AFD3ADBF37}" type="datetimeFigureOut">
               <a:rPr lang="es-ES" smtClean="0"/>
-              <a:t>23/04/2024</a:t>
+              <a:t>25/04/2024</a:t>
             </a:fld>
             <a:endParaRPr lang="es-ES"/>
           </a:p>
@@ -680,7 +680,7 @@
           <a:p>
             <a:fld id="{7D81B21F-EF49-49E9-8784-66AFD3ADBF37}" type="datetimeFigureOut">
               <a:rPr lang="es-ES" smtClean="0"/>
-              <a:t>23/04/2024</a:t>
+              <a:t>25/04/2024</a:t>
             </a:fld>
             <a:endParaRPr lang="es-ES"/>
           </a:p>
@@ -878,7 +878,7 @@
           <a:p>
             <a:fld id="{7D81B21F-EF49-49E9-8784-66AFD3ADBF37}" type="datetimeFigureOut">
               <a:rPr lang="es-ES" smtClean="0"/>
-              <a:t>23/04/2024</a:t>
+              <a:t>25/04/2024</a:t>
             </a:fld>
             <a:endParaRPr lang="es-ES"/>
           </a:p>
@@ -1153,7 +1153,7 @@
           <a:p>
             <a:fld id="{7D81B21F-EF49-49E9-8784-66AFD3ADBF37}" type="datetimeFigureOut">
               <a:rPr lang="es-ES" smtClean="0"/>
-              <a:t>23/04/2024</a:t>
+              <a:t>25/04/2024</a:t>
             </a:fld>
             <a:endParaRPr lang="es-ES"/>
           </a:p>
@@ -1418,7 +1418,7 @@
           <a:p>
             <a:fld id="{7D81B21F-EF49-49E9-8784-66AFD3ADBF37}" type="datetimeFigureOut">
               <a:rPr lang="es-ES" smtClean="0"/>
-              <a:t>23/04/2024</a:t>
+              <a:t>25/04/2024</a:t>
             </a:fld>
             <a:endParaRPr lang="es-ES"/>
           </a:p>
@@ -1830,7 +1830,7 @@
           <a:p>
             <a:fld id="{7D81B21F-EF49-49E9-8784-66AFD3ADBF37}" type="datetimeFigureOut">
               <a:rPr lang="es-ES" smtClean="0"/>
-              <a:t>23/04/2024</a:t>
+              <a:t>25/04/2024</a:t>
             </a:fld>
             <a:endParaRPr lang="es-ES"/>
           </a:p>
@@ -1971,7 +1971,7 @@
           <a:p>
             <a:fld id="{7D81B21F-EF49-49E9-8784-66AFD3ADBF37}" type="datetimeFigureOut">
               <a:rPr lang="es-ES" smtClean="0"/>
-              <a:t>23/04/2024</a:t>
+              <a:t>25/04/2024</a:t>
             </a:fld>
             <a:endParaRPr lang="es-ES"/>
           </a:p>
@@ -2084,7 +2084,7 @@
           <a:p>
             <a:fld id="{7D81B21F-EF49-49E9-8784-66AFD3ADBF37}" type="datetimeFigureOut">
               <a:rPr lang="es-ES" smtClean="0"/>
-              <a:t>23/04/2024</a:t>
+              <a:t>25/04/2024</a:t>
             </a:fld>
             <a:endParaRPr lang="es-ES"/>
           </a:p>
@@ -2395,7 +2395,7 @@
           <a:p>
             <a:fld id="{7D81B21F-EF49-49E9-8784-66AFD3ADBF37}" type="datetimeFigureOut">
               <a:rPr lang="es-ES" smtClean="0"/>
-              <a:t>23/04/2024</a:t>
+              <a:t>25/04/2024</a:t>
             </a:fld>
             <a:endParaRPr lang="es-ES"/>
           </a:p>
@@ -2683,7 +2683,7 @@
           <a:p>
             <a:fld id="{7D81B21F-EF49-49E9-8784-66AFD3ADBF37}" type="datetimeFigureOut">
               <a:rPr lang="es-ES" smtClean="0"/>
-              <a:t>23/04/2024</a:t>
+              <a:t>25/04/2024</a:t>
             </a:fld>
             <a:endParaRPr lang="es-ES"/>
           </a:p>
@@ -2924,7 +2924,7 @@
           <a:p>
             <a:fld id="{7D81B21F-EF49-49E9-8784-66AFD3ADBF37}" type="datetimeFigureOut">
               <a:rPr lang="es-ES" smtClean="0"/>
-              <a:t>23/04/2024</a:t>
+              <a:t>25/04/2024</a:t>
             </a:fld>
             <a:endParaRPr lang="es-ES"/>
           </a:p>
@@ -5347,51 +5347,6 @@
       </p:sp>
       <p:cxnSp>
         <p:nvCxnSpPr>
-          <p:cNvPr id="22" name="Conector: angular 21">
-            <a:extLst>
-              <a:ext uri="{FF2B5EF4-FFF2-40B4-BE49-F238E27FC236}">
-                <a16:creationId xmlns:a16="http://schemas.microsoft.com/office/drawing/2014/main" id="{841658A6-9DB2-7BB9-7E26-D00882F07D54}"/>
-              </a:ext>
-            </a:extLst>
-          </p:cNvPr>
-          <p:cNvCxnSpPr>
-            <a:cxnSpLocks/>
-            <a:stCxn id="20" idx="2"/>
-          </p:cNvCxnSpPr>
-          <p:nvPr/>
-        </p:nvCxnSpPr>
-        <p:spPr>
-          <a:xfrm rot="10800000" flipH="1">
-            <a:off x="6096000" y="1634364"/>
-            <a:ext cx="13836" cy="2443954"/>
-          </a:xfrm>
-          <a:prstGeom prst="bentConnector4">
-            <a:avLst>
-              <a:gd name="adj1" fmla="val -1652212"/>
-              <a:gd name="adj2" fmla="val 55751"/>
-            </a:avLst>
-          </a:prstGeom>
-          <a:ln>
-            <a:tailEnd type="triangle"/>
-          </a:ln>
-        </p:spPr>
-        <p:style>
-          <a:lnRef idx="3">
-            <a:schemeClr val="dk1"/>
-          </a:lnRef>
-          <a:fillRef idx="0">
-            <a:schemeClr val="dk1"/>
-          </a:fillRef>
-          <a:effectRef idx="2">
-            <a:schemeClr val="dk1"/>
-          </a:effectRef>
-          <a:fontRef idx="minor">
-            <a:schemeClr val="tx1"/>
-          </a:fontRef>
-        </p:style>
-      </p:cxnSp>
-      <p:cxnSp>
-        <p:nvCxnSpPr>
           <p:cNvPr id="23" name="Conector: angular 22">
             <a:extLst>
               <a:ext uri="{FF2B5EF4-FFF2-40B4-BE49-F238E27FC236}">
@@ -7108,6 +7063,139 @@
             <a:avLst>
               <a:gd name="adj1" fmla="val 100009"/>
             </a:avLst>
+          </a:prstGeom>
+          <a:ln>
+            <a:tailEnd type="triangle"/>
+          </a:ln>
+        </p:spPr>
+        <p:style>
+          <a:lnRef idx="3">
+            <a:schemeClr val="dk1"/>
+          </a:lnRef>
+          <a:fillRef idx="0">
+            <a:schemeClr val="dk1"/>
+          </a:fillRef>
+          <a:effectRef idx="2">
+            <a:schemeClr val="dk1"/>
+          </a:effectRef>
+          <a:fontRef idx="minor">
+            <a:schemeClr val="tx1"/>
+          </a:fontRef>
+        </p:style>
+      </p:cxnSp>
+      <p:sp>
+        <p:nvSpPr>
+          <p:cNvPr id="3" name="Elipse 2">
+            <a:extLst>
+              <a:ext uri="{FF2B5EF4-FFF2-40B4-BE49-F238E27FC236}">
+                <a16:creationId xmlns:a16="http://schemas.microsoft.com/office/drawing/2014/main" id="{5D9008A5-90A2-9A84-4F73-C042A88853BE}"/>
+              </a:ext>
+            </a:extLst>
+          </p:cNvPr>
+          <p:cNvSpPr/>
+          <p:nvPr/>
+        </p:nvSpPr>
+        <p:spPr>
+          <a:xfrm>
+            <a:off x="5210058" y="2927683"/>
+            <a:ext cx="1582966" cy="502431"/>
+          </a:xfrm>
+          <a:prstGeom prst="ellipse">
+            <a:avLst/>
+          </a:prstGeom>
+        </p:spPr>
+        <p:style>
+          <a:lnRef idx="2">
+            <a:schemeClr val="accent1">
+              <a:shade val="15000"/>
+            </a:schemeClr>
+          </a:lnRef>
+          <a:fillRef idx="1">
+            <a:schemeClr val="accent1"/>
+          </a:fillRef>
+          <a:effectRef idx="0">
+            <a:schemeClr val="accent1"/>
+          </a:effectRef>
+          <a:fontRef idx="minor">
+            <a:schemeClr val="lt1"/>
+          </a:fontRef>
+        </p:style>
+        <p:txBody>
+          <a:bodyPr rtlCol="0" anchor="ctr"/>
+          <a:lstStyle/>
+          <a:p>
+            <a:pPr algn="ctr"/>
+            <a:r>
+              <a:rPr lang="en-US" dirty="0"/>
+              <a:t>count1++</a:t>
+            </a:r>
+          </a:p>
+        </p:txBody>
+      </p:sp>
+      <p:cxnSp>
+        <p:nvCxnSpPr>
+          <p:cNvPr id="17" name="Conector: angular 16">
+            <a:extLst>
+              <a:ext uri="{FF2B5EF4-FFF2-40B4-BE49-F238E27FC236}">
+                <a16:creationId xmlns:a16="http://schemas.microsoft.com/office/drawing/2014/main" id="{B2133E4E-1A64-FB7F-B833-0F29754EBFE6}"/>
+              </a:ext>
+            </a:extLst>
+          </p:cNvPr>
+          <p:cNvCxnSpPr>
+            <a:stCxn id="20" idx="2"/>
+            <a:endCxn id="3" idx="4"/>
+          </p:cNvCxnSpPr>
+          <p:nvPr/>
+        </p:nvCxnSpPr>
+        <p:spPr>
+          <a:xfrm rot="10800000">
+            <a:off x="6001542" y="3430114"/>
+            <a:ext cx="94459" cy="648204"/>
+          </a:xfrm>
+          <a:prstGeom prst="bentConnector2">
+            <a:avLst/>
+          </a:prstGeom>
+          <a:ln>
+            <a:tailEnd type="triangle"/>
+          </a:ln>
+        </p:spPr>
+        <p:style>
+          <a:lnRef idx="3">
+            <a:schemeClr val="dk1"/>
+          </a:lnRef>
+          <a:fillRef idx="0">
+            <a:schemeClr val="dk1"/>
+          </a:fillRef>
+          <a:effectRef idx="2">
+            <a:schemeClr val="dk1"/>
+          </a:effectRef>
+          <a:fontRef idx="minor">
+            <a:schemeClr val="tx1"/>
+          </a:fontRef>
+        </p:style>
+      </p:cxnSp>
+      <p:cxnSp>
+        <p:nvCxnSpPr>
+          <p:cNvPr id="18" name="Conector recto de flecha 17">
+            <a:extLst>
+              <a:ext uri="{FF2B5EF4-FFF2-40B4-BE49-F238E27FC236}">
+                <a16:creationId xmlns:a16="http://schemas.microsoft.com/office/drawing/2014/main" id="{9979D55D-FA91-32E8-393B-DE0F10413E8E}"/>
+              </a:ext>
+            </a:extLst>
+          </p:cNvPr>
+          <p:cNvCxnSpPr>
+            <a:cxnSpLocks/>
+            <a:stCxn id="3" idx="0"/>
+          </p:cNvCxnSpPr>
+          <p:nvPr/>
+        </p:nvCxnSpPr>
+        <p:spPr>
+          <a:xfrm flipV="1">
+            <a:off x="6001541" y="1686158"/>
+            <a:ext cx="0" cy="1241525"/>
+          </a:xfrm>
+          <a:prstGeom prst="straightConnector1">
+            <a:avLst/>
           </a:prstGeom>
           <a:ln>
             <a:tailEnd type="triangle"/>
